--- a/presentation.pptx
+++ b/presentation.pptx
@@ -3511,7 +3511,7 @@
           <a:p>
             <a:pPr lvl="1"/>
             <a:r>
-              <a:t>Variance reduction in montecarlo techniques. </a:t>
+              <a:t>Variance reduction in Montecarlo techniques. </a:t>
             </a:r>
           </a:p>
           <a:p>
@@ -3953,25 +3953,36 @@
           <a:bodyPr/>
           <a:lstStyle/>
           <a:p>
-            <a:pPr marL="333756" indent="-333756" defTabSz="426466">
+            <a:pPr marL="267004" indent="-267004" defTabSz="341172">
               <a:spcBef>
-                <a:spcPts val="3000"/>
+                <a:spcPts val="2400"/>
               </a:spcBef>
-              <a:defRPr sz="2700"/>
+              <a:defRPr sz="2160"/>
             </a:pPr>
             <a:r>
               <a:t>Any option can be priced as a discounted expectation under it’s risk neutral pricing.</a:t>
             </a:r>
           </a:p>
           <a:p>
-            <a:pPr marL="333756" indent="-333756" defTabSz="426466">
+            <a:pPr marL="267004" indent="-267004" defTabSz="341172">
               <a:spcBef>
-                <a:spcPts val="3000"/>
+                <a:spcPts val="2400"/>
               </a:spcBef>
-              <a:defRPr sz="2700"/>
+              <a:defRPr sz="2160"/>
             </a:pPr>
             <a:r>
               <a:t>Generate n sample runs and average terminal option value will limit towards option price.</a:t>
+            </a:r>
+          </a:p>
+          <a:p>
+            <a:pPr marL="267004" indent="-267004" defTabSz="341172">
+              <a:spcBef>
+                <a:spcPts val="2400"/>
+              </a:spcBef>
+              <a:defRPr sz="2160"/>
+            </a:pPr>
+            <a:r>
+              <a:t>Task is “embarrassingly parallel”.</a:t>
             </a:r>
           </a:p>
         </p:txBody>
@@ -4692,7 +4703,7 @@
         </p:blipFill>
         <p:spPr>
           <a:xfrm>
-            <a:off x="3492500" y="4138165"/>
+            <a:off x="3492500" y="4138166"/>
             <a:ext cx="5461000" cy="469901"/>
           </a:xfrm>
           <a:prstGeom prst="rect">

--- a/presentation.pptx
+++ b/presentation.pptx
@@ -3181,7 +3181,7 @@
       </p:grpSpPr>
       <p:sp>
         <p:nvSpPr>
-          <p:cNvPr id="165" name="Multi asset barrier sensitivities"/>
+          <p:cNvPr id="164" name="Multi asset barrier sensitivities"/>
           <p:cNvSpPr txBox="1"/>
           <p:nvPr>
             <p:ph type="title"/>
@@ -3209,7 +3209,7 @@
       </p:sp>
       <p:sp>
         <p:nvSpPr>
-          <p:cNvPr id="166" name="Multi asset barrier is the minimum of each barrier option.…"/>
+          <p:cNvPr id="165" name="Multi asset barrier is the minimum of each barrier option.…"/>
           <p:cNvSpPr txBox="1"/>
           <p:nvPr>
             <p:ph type="body" sz="quarter" idx="1"/>
@@ -3253,7 +3253,7 @@
       </p:sp>
       <p:pic>
         <p:nvPicPr>
-          <p:cNvPr id="167" name="sigma_barrier_large_contour.pdf" descr="sigma_barrier_large_contour.pdf"/>
+          <p:cNvPr id="166" name="sigma_barrier_large_contour.pdf" descr="sigma_barrier_large_contour.pdf"/>
           <p:cNvPicPr>
             <a:picLocks noChangeAspect="1"/>
           </p:cNvPicPr>
@@ -3282,7 +3282,7 @@
       </p:pic>
       <p:pic>
         <p:nvPicPr>
-          <p:cNvPr id="168" name="sigma_barrier_large.pdf" descr="sigma_barrier_large.pdf"/>
+          <p:cNvPr id="167" name="sigma_barrier_large.pdf" descr="sigma_barrier_large.pdf"/>
           <p:cNvPicPr>
             <a:picLocks noChangeAspect="1"/>
           </p:cNvPicPr>
@@ -3337,7 +3337,7 @@
       </p:grpSpPr>
       <p:sp>
         <p:nvSpPr>
-          <p:cNvPr id="170" name="Pricing barrier options on Nasdaq"/>
+          <p:cNvPr id="169" name="Pricing barrier options on Nasdaq"/>
           <p:cNvSpPr txBox="1"/>
           <p:nvPr>
             <p:ph type="title"/>
@@ -3365,7 +3365,7 @@
       </p:sp>
       <p:sp>
         <p:nvSpPr>
-          <p:cNvPr id="171" name="r = 0.05; T = 1.0; B* = 1.3…"/>
+          <p:cNvPr id="170" name="r = 0.05; T = 1.0; B* = 1.3…"/>
           <p:cNvSpPr txBox="1"/>
           <p:nvPr>
             <p:ph type="body" sz="quarter" idx="1"/>
@@ -3409,7 +3409,7 @@
       </p:sp>
       <p:pic>
         <p:nvPicPr>
-          <p:cNvPr id="172" name="barrier_heatmap_nasdaq.pdf" descr="barrier_heatmap_nasdaq.pdf"/>
+          <p:cNvPr id="171" name="barrier_heatmap_nasdaq.pdf" descr="barrier_heatmap_nasdaq.pdf"/>
           <p:cNvPicPr>
             <a:picLocks noChangeAspect="1"/>
           </p:cNvPicPr>
@@ -3464,7 +3464,7 @@
       </p:grpSpPr>
       <p:sp>
         <p:nvSpPr>
-          <p:cNvPr id="174" name="Thank  you"/>
+          <p:cNvPr id="173" name="Thank  you"/>
           <p:cNvSpPr txBox="1"/>
           <p:nvPr>
             <p:ph type="title"/>
@@ -3488,7 +3488,7 @@
       </p:sp>
       <p:sp>
         <p:nvSpPr>
-          <p:cNvPr id="175" name="Further topics include:…"/>
+          <p:cNvPr id="174" name="Further topics include:…"/>
           <p:cNvSpPr txBox="1"/>
           <p:nvPr>
             <p:ph type="body" idx="1"/>
@@ -3556,7 +3556,7 @@
       </p:grpSpPr>
       <p:sp>
         <p:nvSpPr>
-          <p:cNvPr id="177" name="Variance Reduction"/>
+          <p:cNvPr id="176" name="Variance Reduction"/>
           <p:cNvSpPr txBox="1"/>
           <p:nvPr>
             <p:ph type="title"/>
@@ -3580,7 +3580,7 @@
       </p:sp>
       <p:sp>
         <p:nvSpPr>
-          <p:cNvPr id="178" name="Antithetic variables"/>
+          <p:cNvPr id="177" name="Antithetic variables"/>
           <p:cNvSpPr txBox="1"/>
           <p:nvPr>
             <p:ph type="body" sz="quarter" idx="1"/>
@@ -3608,7 +3608,7 @@
       </p:sp>
       <p:pic>
         <p:nvPicPr>
-          <p:cNvPr id="179" name="standard_antithetic_std.pdf" descr="standard_antithetic_std.pdf"/>
+          <p:cNvPr id="178" name="standard_antithetic_std.pdf" descr="standard_antithetic_std.pdf"/>
           <p:cNvPicPr>
             <a:picLocks noChangeAspect="1"/>
           </p:cNvPicPr>
@@ -4128,30 +4128,9 @@
           </a:p>
         </p:txBody>
       </p:sp>
-      <p:sp>
-        <p:nvSpPr>
-          <p:cNvPr id="139" name="Body"/>
-          <p:cNvSpPr txBox="1"/>
-          <p:nvPr>
-            <p:ph type="body" idx="1"/>
-          </p:nvPr>
-        </p:nvSpPr>
-        <p:spPr>
-          <a:prstGeom prst="rect">
-            <a:avLst/>
-          </a:prstGeom>
-        </p:spPr>
-        <p:txBody>
-          <a:bodyPr/>
-          <a:lstStyle/>
-          <a:p>
-            <a:pPr/>
-          </a:p>
-        </p:txBody>
-      </p:sp>
       <p:pic>
         <p:nvPicPr>
-          <p:cNvPr id="140" name="pasted-image.pdf" descr="pasted-image.pdf"/>
+          <p:cNvPr id="139" name="simulated_price.pdf" descr="simulated_price.pdf"/>
           <p:cNvPicPr>
             <a:picLocks noChangeAspect="1"/>
           </p:cNvPicPr>
@@ -4167,8 +4146,8 @@
         </p:blipFill>
         <p:spPr>
           <a:xfrm>
-            <a:off x="3759200" y="2895600"/>
-            <a:ext cx="5486400" cy="1003300"/>
+            <a:off x="949870" y="4576414"/>
+            <a:ext cx="5270502" cy="4000503"/>
           </a:xfrm>
           <a:prstGeom prst="rect">
             <a:avLst/>
@@ -4180,7 +4159,7 @@
       </p:pic>
       <p:pic>
         <p:nvPicPr>
-          <p:cNvPr id="141" name="simulated_price.pdf" descr="simulated_price.pdf"/>
+          <p:cNvPr id="140" name="Screen Shot 2017-10-01 at 10.24.14.png" descr="Screen Shot 2017-10-01 at 10.24.14.png"/>
           <p:cNvPicPr>
             <a:picLocks noChangeAspect="1"/>
           </p:cNvPicPr>
@@ -4196,8 +4175,8 @@
         </p:blipFill>
         <p:spPr>
           <a:xfrm>
-            <a:off x="949870" y="4576414"/>
-            <a:ext cx="5270502" cy="4000503"/>
+            <a:off x="6248398" y="5168900"/>
+            <a:ext cx="5780679" cy="2273300"/>
           </a:xfrm>
           <a:prstGeom prst="rect">
             <a:avLst/>
@@ -4209,7 +4188,7 @@
       </p:pic>
       <p:pic>
         <p:nvPicPr>
-          <p:cNvPr id="142" name="Screen Shot 2017-10-01 at 10.24.14.png" descr="Screen Shot 2017-10-01 at 10.24.14.png"/>
+          <p:cNvPr id="141" name="pasted-image.pdf" descr="pasted-image.pdf"/>
           <p:cNvPicPr>
             <a:picLocks noChangeAspect="1"/>
           </p:cNvPicPr>
@@ -4225,8 +4204,8 @@
         </p:blipFill>
         <p:spPr>
           <a:xfrm>
-            <a:off x="6248398" y="5168900"/>
-            <a:ext cx="5780679" cy="2273300"/>
+            <a:off x="3448050" y="2813050"/>
+            <a:ext cx="6108700" cy="1003300"/>
           </a:xfrm>
           <a:prstGeom prst="rect">
             <a:avLst/>
@@ -4264,7 +4243,7 @@
       </p:grpSpPr>
       <p:sp>
         <p:nvSpPr>
-          <p:cNvPr id="144" name="Pricing a knock out call option"/>
+          <p:cNvPr id="143" name="Pricing a knock out call option"/>
           <p:cNvSpPr txBox="1"/>
           <p:nvPr>
             <p:ph type="title"/>
@@ -4292,7 +4271,7 @@
       </p:sp>
       <p:pic>
         <p:nvPicPr>
-          <p:cNvPr id="145" name="barrier_option.pdf" descr="barrier_option.pdf"/>
+          <p:cNvPr id="144" name="barrier_option.pdf" descr="barrier_option.pdf"/>
           <p:cNvPicPr>
             <a:picLocks noChangeAspect="1"/>
           </p:cNvPicPr>
@@ -4321,7 +4300,7 @@
       </p:pic>
       <p:sp>
         <p:nvSpPr>
-          <p:cNvPr id="146" name="r = 0.05; T = 1.0; No dividends; S0 = 100; K = 100;…"/>
+          <p:cNvPr id="145" name="r = 0.05; T = 1.0; No dividends; S0 = 100; K = 100;…"/>
           <p:cNvSpPr txBox="1"/>
           <p:nvPr>
             <p:ph type="body" sz="quarter" idx="1"/>
@@ -4402,7 +4381,7 @@
       </p:grpSpPr>
       <p:sp>
         <p:nvSpPr>
-          <p:cNvPr id="148" name="Central limit theorem"/>
+          <p:cNvPr id="147" name="Central limit theorem"/>
           <p:cNvSpPr txBox="1"/>
           <p:nvPr>
             <p:ph type="title"/>
@@ -4426,7 +4405,7 @@
       </p:sp>
       <p:sp>
         <p:nvSpPr>
-          <p:cNvPr id="149" name="More runs result in more accurate answers…"/>
+          <p:cNvPr id="148" name="More runs result in more accurate answers…"/>
           <p:cNvSpPr txBox="1"/>
           <p:nvPr>
             <p:ph type="body" sz="quarter" idx="1"/>
@@ -4460,7 +4439,7 @@
       </p:sp>
       <p:pic>
         <p:nvPicPr>
-          <p:cNvPr id="150" name="barrier_option.pdf" descr="barrier_option.pdf"/>
+          <p:cNvPr id="149" name="barrier_option.pdf" descr="barrier_option.pdf"/>
           <p:cNvPicPr>
             <a:picLocks noChangeAspect="1"/>
           </p:cNvPicPr>
@@ -4489,7 +4468,7 @@
       </p:pic>
       <p:pic>
         <p:nvPicPr>
-          <p:cNvPr id="151" name="standard_deviation.pdf" descr="standard_deviation.pdf"/>
+          <p:cNvPr id="150" name="standard_deviation.pdf" descr="standard_deviation.pdf"/>
           <p:cNvPicPr>
             <a:picLocks noChangeAspect="1"/>
           </p:cNvPicPr>
@@ -4544,7 +4523,7 @@
       </p:grpSpPr>
       <p:sp>
         <p:nvSpPr>
-          <p:cNvPr id="153" name="Generate samples from multivariate distribution"/>
+          <p:cNvPr id="152" name="Generate samples from multivariate distribution"/>
           <p:cNvSpPr txBox="1"/>
           <p:nvPr>
             <p:ph type="title"/>
@@ -4572,7 +4551,7 @@
       </p:sp>
       <p:sp>
         <p:nvSpPr>
-          <p:cNvPr id="154" name="Use Cholesky decomposition"/>
+          <p:cNvPr id="153" name="Use Cholesky decomposition"/>
           <p:cNvSpPr txBox="1"/>
           <p:nvPr>
             <p:ph type="body" sz="quarter" idx="1"/>
@@ -4600,7 +4579,7 @@
       </p:sp>
       <p:pic>
         <p:nvPicPr>
-          <p:cNvPr id="155" name="pasted-image.pdf" descr="pasted-image.pdf"/>
+          <p:cNvPr id="154" name="pasted-image.pdf" descr="pasted-image.pdf"/>
           <p:cNvPicPr>
             <a:picLocks noChangeAspect="1"/>
           </p:cNvPicPr>
@@ -4629,7 +4608,7 @@
       </p:pic>
       <p:pic>
         <p:nvPicPr>
-          <p:cNvPr id="156" name="pasted-image.pdf" descr="pasted-image.pdf"/>
+          <p:cNvPr id="155" name="pasted-image.pdf" descr="pasted-image.pdf"/>
           <p:cNvPicPr>
             <a:picLocks noChangeAspect="1"/>
           </p:cNvPicPr>
@@ -4658,7 +4637,7 @@
       </p:pic>
       <p:pic>
         <p:nvPicPr>
-          <p:cNvPr id="157" name="multi_simulated_price.pdf" descr="multi_simulated_price.pdf"/>
+          <p:cNvPr id="156" name="multi_simulated_price.pdf" descr="multi_simulated_price.pdf"/>
           <p:cNvPicPr>
             <a:picLocks noChangeAspect="1"/>
           </p:cNvPicPr>
@@ -4687,7 +4666,7 @@
       </p:pic>
       <p:pic>
         <p:nvPicPr>
-          <p:cNvPr id="158" name="pasted-image.pdf" descr="pasted-image.pdf"/>
+          <p:cNvPr id="157" name="pasted-image.pdf" descr="pasted-image.pdf"/>
           <p:cNvPicPr>
             <a:picLocks noChangeAspect="1"/>
           </p:cNvPicPr>
@@ -4742,7 +4721,7 @@
       </p:grpSpPr>
       <p:sp>
         <p:nvSpPr>
-          <p:cNvPr id="160" name="Multi asset barrier sensitivities"/>
+          <p:cNvPr id="159" name="Multi asset barrier sensitivities"/>
           <p:cNvSpPr txBox="1"/>
           <p:nvPr>
             <p:ph type="title"/>
@@ -4770,7 +4749,7 @@
       </p:sp>
       <p:sp>
         <p:nvSpPr>
-          <p:cNvPr id="161" name="Multi asset barrier is the minimum of each barrier option.…"/>
+          <p:cNvPr id="160" name="Multi asset barrier is the minimum of each barrier option.…"/>
           <p:cNvSpPr txBox="1"/>
           <p:nvPr>
             <p:ph type="body" sz="quarter" idx="1"/>
@@ -4814,7 +4793,7 @@
       </p:sp>
       <p:pic>
         <p:nvPicPr>
-          <p:cNvPr id="162" name="sigma_barrier_contour.pdf" descr="sigma_barrier_contour.pdf"/>
+          <p:cNvPr id="161" name="sigma_barrier_contour.pdf" descr="sigma_barrier_contour.pdf"/>
           <p:cNvPicPr>
             <a:picLocks noChangeAspect="1"/>
           </p:cNvPicPr>
@@ -4843,7 +4822,7 @@
       </p:pic>
       <p:pic>
         <p:nvPicPr>
-          <p:cNvPr id="163" name="sigma_barrier.pdf" descr="sigma_barrier.pdf"/>
+          <p:cNvPr id="162" name="sigma_barrier.pdf" descr="sigma_barrier.pdf"/>
           <p:cNvPicPr>
             <a:picLocks noChangeAspect="1"/>
           </p:cNvPicPr>

--- a/presentation.pptx
+++ b/presentation.pptx
@@ -3953,36 +3953,47 @@
           <a:bodyPr/>
           <a:lstStyle/>
           <a:p>
-            <a:pPr marL="267004" indent="-267004" defTabSz="341172">
+            <a:pPr marL="240304" indent="-240304" defTabSz="307055">
               <a:spcBef>
-                <a:spcPts val="2400"/>
+                <a:spcPts val="2100"/>
               </a:spcBef>
-              <a:defRPr sz="2160"/>
+              <a:defRPr sz="1944"/>
             </a:pPr>
             <a:r>
               <a:t>Any option can be priced as a discounted expectation under it’s risk neutral pricing.</a:t>
             </a:r>
           </a:p>
           <a:p>
-            <a:pPr marL="267004" indent="-267004" defTabSz="341172">
+            <a:pPr marL="240304" indent="-240304" defTabSz="307055">
               <a:spcBef>
-                <a:spcPts val="2400"/>
+                <a:spcPts val="2100"/>
               </a:spcBef>
-              <a:defRPr sz="2160"/>
+              <a:defRPr sz="1944"/>
             </a:pPr>
             <a:r>
               <a:t>Generate n sample runs and average terminal option value will limit towards option price.</a:t>
             </a:r>
           </a:p>
           <a:p>
-            <a:pPr marL="267004" indent="-267004" defTabSz="341172">
+            <a:pPr marL="240304" indent="-240304" defTabSz="307055">
               <a:spcBef>
-                <a:spcPts val="2400"/>
+                <a:spcPts val="2100"/>
               </a:spcBef>
-              <a:defRPr sz="2160"/>
+              <a:defRPr sz="1944"/>
             </a:pPr>
             <a:r>
               <a:t>Task is “embarrassingly parallel”.</a:t>
+            </a:r>
+          </a:p>
+          <a:p>
+            <a:pPr marL="240304" indent="-240304" defTabSz="307055">
+              <a:spcBef>
+                <a:spcPts val="2100"/>
+              </a:spcBef>
+              <a:defRPr sz="1944"/>
+            </a:pPr>
+            <a:r>
+              <a:t>Assume equities follow Geometric Brownian Motion</a:t>
             </a:r>
           </a:p>
         </p:txBody>

--- a/presentation.pptx
+++ b/presentation.pptx
@@ -3181,7 +3181,7 @@
       </p:grpSpPr>
       <p:sp>
         <p:nvSpPr>
-          <p:cNvPr id="164" name="Multi asset barrier sensitivities"/>
+          <p:cNvPr id="165" name="Multi asset barrier sensitivities"/>
           <p:cNvSpPr txBox="1"/>
           <p:nvPr>
             <p:ph type="title"/>
@@ -3209,7 +3209,7 @@
       </p:sp>
       <p:sp>
         <p:nvSpPr>
-          <p:cNvPr id="165" name="Multi asset barrier is the minimum of each barrier option.…"/>
+          <p:cNvPr id="166" name="Multi asset barrier is the minimum of each barrier option.…"/>
           <p:cNvSpPr txBox="1"/>
           <p:nvPr>
             <p:ph type="body" sz="quarter" idx="1"/>
@@ -3253,7 +3253,7 @@
       </p:sp>
       <p:pic>
         <p:nvPicPr>
-          <p:cNvPr id="166" name="sigma_barrier_large_contour.pdf" descr="sigma_barrier_large_contour.pdf"/>
+          <p:cNvPr id="167" name="sigma_barrier_large_contour.pdf" descr="sigma_barrier_large_contour.pdf"/>
           <p:cNvPicPr>
             <a:picLocks noChangeAspect="1"/>
           </p:cNvPicPr>
@@ -3282,7 +3282,7 @@
       </p:pic>
       <p:pic>
         <p:nvPicPr>
-          <p:cNvPr id="167" name="sigma_barrier_large.pdf" descr="sigma_barrier_large.pdf"/>
+          <p:cNvPr id="168" name="sigma_barrier_large.pdf" descr="sigma_barrier_large.pdf"/>
           <p:cNvPicPr>
             <a:picLocks noChangeAspect="1"/>
           </p:cNvPicPr>
@@ -3337,7 +3337,7 @@
       </p:grpSpPr>
       <p:sp>
         <p:nvSpPr>
-          <p:cNvPr id="169" name="Pricing barrier options on Nasdaq"/>
+          <p:cNvPr id="170" name="Pricing barrier options on Nasdaq"/>
           <p:cNvSpPr txBox="1"/>
           <p:nvPr>
             <p:ph type="title"/>
@@ -3365,7 +3365,7 @@
       </p:sp>
       <p:sp>
         <p:nvSpPr>
-          <p:cNvPr id="170" name="r = 0.05; T = 1.0; B* = 1.3…"/>
+          <p:cNvPr id="171" name="r = 0.05; T = 1.0; B* = 1.3…"/>
           <p:cNvSpPr txBox="1"/>
           <p:nvPr>
             <p:ph type="body" sz="quarter" idx="1"/>
@@ -3409,7 +3409,7 @@
       </p:sp>
       <p:pic>
         <p:nvPicPr>
-          <p:cNvPr id="171" name="barrier_heatmap_nasdaq.pdf" descr="barrier_heatmap_nasdaq.pdf"/>
+          <p:cNvPr id="172" name="barrier_heatmap_nasdaq.pdf" descr="barrier_heatmap_nasdaq.pdf"/>
           <p:cNvPicPr>
             <a:picLocks noChangeAspect="1"/>
           </p:cNvPicPr>
@@ -3464,7 +3464,7 @@
       </p:grpSpPr>
       <p:sp>
         <p:nvSpPr>
-          <p:cNvPr id="173" name="Thank  you"/>
+          <p:cNvPr id="174" name="Thank  you"/>
           <p:cNvSpPr txBox="1"/>
           <p:nvPr>
             <p:ph type="title"/>
@@ -3488,7 +3488,7 @@
       </p:sp>
       <p:sp>
         <p:nvSpPr>
-          <p:cNvPr id="174" name="Further topics include:…"/>
+          <p:cNvPr id="175" name="Further topics include:…"/>
           <p:cNvSpPr txBox="1"/>
           <p:nvPr>
             <p:ph type="body" idx="1"/>
@@ -3556,7 +3556,7 @@
       </p:grpSpPr>
       <p:sp>
         <p:nvSpPr>
-          <p:cNvPr id="176" name="Variance Reduction"/>
+          <p:cNvPr id="177" name="Variance Reduction"/>
           <p:cNvSpPr txBox="1"/>
           <p:nvPr>
             <p:ph type="title"/>
@@ -3580,7 +3580,7 @@
       </p:sp>
       <p:sp>
         <p:nvSpPr>
-          <p:cNvPr id="177" name="Antithetic variables"/>
+          <p:cNvPr id="178" name="Antithetic variables"/>
           <p:cNvSpPr txBox="1"/>
           <p:nvPr>
             <p:ph type="body" sz="quarter" idx="1"/>
@@ -3608,7 +3608,7 @@
       </p:sp>
       <p:pic>
         <p:nvPicPr>
-          <p:cNvPr id="178" name="standard_antithetic_std.pdf" descr="standard_antithetic_std.pdf"/>
+          <p:cNvPr id="179" name="standard_antithetic_std.pdf" descr="standard_antithetic_std.pdf"/>
           <p:cNvPicPr>
             <a:picLocks noChangeAspect="1"/>
           </p:cNvPicPr>
@@ -3942,7 +3942,7 @@
         </p:nvSpPr>
         <p:spPr>
           <a:xfrm>
-            <a:off x="952499" y="2590800"/>
+            <a:off x="952499" y="2235200"/>
             <a:ext cx="10757845" cy="2120900"/>
           </a:xfrm>
           <a:prstGeom prst="rect">
@@ -3953,44 +3953,22 @@
           <a:bodyPr/>
           <a:lstStyle/>
           <a:p>
-            <a:pPr marL="240304" indent="-240304" defTabSz="307055">
+            <a:pPr marL="333756" indent="-333756" defTabSz="426466">
               <a:spcBef>
-                <a:spcPts val="2100"/>
+                <a:spcPts val="3000"/>
               </a:spcBef>
-              <a:defRPr sz="1944"/>
+              <a:defRPr sz="2700"/>
             </a:pPr>
             <a:r>
-              <a:t>Any option can be priced as a discounted expectation under it’s risk neutral pricing.</a:t>
-            </a:r>
-          </a:p>
-          <a:p>
-            <a:pPr marL="240304" indent="-240304" defTabSz="307055">
+              <a:t>Any financial instrument can be priced as a discounted expectation under its risk neutral pricing.</a:t>
+            </a:r>
+          </a:p>
+          <a:p>
+            <a:pPr marL="333756" indent="-333756" defTabSz="426466">
               <a:spcBef>
-                <a:spcPts val="2100"/>
+                <a:spcPts val="3000"/>
               </a:spcBef>
-              <a:defRPr sz="1944"/>
-            </a:pPr>
-            <a:r>
-              <a:t>Generate n sample runs and average terminal option value will limit towards option price.</a:t>
-            </a:r>
-          </a:p>
-          <a:p>
-            <a:pPr marL="240304" indent="-240304" defTabSz="307055">
-              <a:spcBef>
-                <a:spcPts val="2100"/>
-              </a:spcBef>
-              <a:defRPr sz="1944"/>
-            </a:pPr>
-            <a:r>
-              <a:t>Task is “embarrassingly parallel”.</a:t>
-            </a:r>
-          </a:p>
-          <a:p>
-            <a:pPr marL="240304" indent="-240304" defTabSz="307055">
-              <a:spcBef>
-                <a:spcPts val="2100"/>
-              </a:spcBef>
-              <a:defRPr sz="1944"/>
+              <a:defRPr sz="2700"/>
             </a:pPr>
             <a:r>
               <a:t>Assume equities follow Geometric Brownian Motion</a:t>
@@ -4016,8 +3994,8 @@
         </p:blipFill>
         <p:spPr>
           <a:xfrm>
-            <a:off x="3663950" y="5238750"/>
-            <a:ext cx="4457700" cy="431800"/>
+            <a:off x="4102571" y="4692650"/>
+            <a:ext cx="4457701" cy="431800"/>
           </a:xfrm>
           <a:prstGeom prst="rect">
             <a:avLst/>
@@ -4045,8 +4023,8 @@
         </p:blipFill>
         <p:spPr>
           <a:xfrm>
-            <a:off x="3765550" y="6108700"/>
-            <a:ext cx="4254500" cy="406400"/>
+            <a:off x="4204171" y="5562600"/>
+            <a:ext cx="4254501" cy="406400"/>
           </a:xfrm>
           <a:prstGeom prst="rect">
             <a:avLst/>
@@ -4056,9 +4034,73 @@
           </a:ln>
         </p:spPr>
       </p:pic>
+      <p:sp>
+        <p:nvSpPr>
+          <p:cNvPr id="136" name="Generate n sample runs and average terminal option value will limit towards option price.…"/>
+          <p:cNvSpPr txBox="1"/>
+          <p:nvPr/>
+        </p:nvSpPr>
+        <p:spPr>
+          <a:xfrm>
+            <a:off x="937220" y="7283450"/>
+            <a:ext cx="9464874" cy="1701800"/>
+          </a:xfrm>
+          <a:prstGeom prst="rect">
+            <a:avLst/>
+          </a:prstGeom>
+          <a:ln w="12700">
+            <a:miter lim="400000"/>
+          </a:ln>
+          <a:extLst>
+            <a:ext uri="{C572A759-6A51-4108-AA02-DFA0A04FC94B}">
+              <ma14:wrappingTextBoxFlag xmlns:ma14="http://schemas.microsoft.com/office/mac/drawingml/2011/main" val="1"/>
+            </a:ext>
+          </a:extLst>
+        </p:spPr>
+        <p:txBody>
+          <a:bodyPr lIns="50800" tIns="50800" rIns="50800" bIns="50800" anchor="ctr">
+            <a:spAutoFit/>
+          </a:bodyPr>
+          <a:lstStyle/>
+          <a:p>
+            <a:pPr marL="333756" indent="-333756" algn="l" defTabSz="426466">
+              <a:spcBef>
+                <a:spcPts val="3000"/>
+              </a:spcBef>
+              <a:buSzPct val="75000"/>
+              <a:buChar char="•"/>
+              <a:defRPr sz="2700">
+                <a:solidFill>
+                  <a:srgbClr val="FFFFFF"/>
+                </a:solidFill>
+              </a:defRPr>
+            </a:pPr>
+            <a:r>
+              <a:t>Generate n sample runs and average terminal option value will limit towards option price.</a:t>
+            </a:r>
+          </a:p>
+          <a:p>
+            <a:pPr marL="333756" indent="-333756" algn="l" defTabSz="426466">
+              <a:spcBef>
+                <a:spcPts val="3000"/>
+              </a:spcBef>
+              <a:buSzPct val="75000"/>
+              <a:buChar char="•"/>
+              <a:defRPr sz="2700">
+                <a:solidFill>
+                  <a:srgbClr val="FFFFFF"/>
+                </a:solidFill>
+              </a:defRPr>
+            </a:pPr>
+            <a:r>
+              <a:t>Task is “embarrassingly parallel”.</a:t>
+            </a:r>
+          </a:p>
+        </p:txBody>
+      </p:sp>
       <p:pic>
         <p:nvPicPr>
-          <p:cNvPr id="136" name="pasted-image.pdf" descr="pasted-image.pdf"/>
+          <p:cNvPr id="137" name="pasted-image.pdf" descr="pasted-image.pdf"/>
           <p:cNvPicPr>
             <a:picLocks noChangeAspect="1"/>
           </p:cNvPicPr>
@@ -4074,8 +4116,8 @@
         </p:blipFill>
         <p:spPr>
           <a:xfrm>
-            <a:off x="3841750" y="6858000"/>
-            <a:ext cx="4102100" cy="635000"/>
+            <a:off x="4305771" y="6184900"/>
+            <a:ext cx="4051301" cy="635000"/>
           </a:xfrm>
           <a:prstGeom prst="rect">
             <a:avLst/>
@@ -4113,7 +4155,7 @@
       </p:grpSpPr>
       <p:sp>
         <p:nvSpPr>
-          <p:cNvPr id="138" name="Generating a sample single stock path"/>
+          <p:cNvPr id="139" name="Generating a sample single stock path"/>
           <p:cNvSpPr txBox="1"/>
           <p:nvPr>
             <p:ph type="title"/>
@@ -4141,7 +4183,7 @@
       </p:sp>
       <p:pic>
         <p:nvPicPr>
-          <p:cNvPr id="139" name="simulated_price.pdf" descr="simulated_price.pdf"/>
+          <p:cNvPr id="140" name="simulated_price.pdf" descr="simulated_price.pdf"/>
           <p:cNvPicPr>
             <a:picLocks noChangeAspect="1"/>
           </p:cNvPicPr>
@@ -4170,7 +4212,7 @@
       </p:pic>
       <p:pic>
         <p:nvPicPr>
-          <p:cNvPr id="140" name="Screen Shot 2017-10-01 at 10.24.14.png" descr="Screen Shot 2017-10-01 at 10.24.14.png"/>
+          <p:cNvPr id="141" name="Screen Shot 2017-10-01 at 10.24.14.png" descr="Screen Shot 2017-10-01 at 10.24.14.png"/>
           <p:cNvPicPr>
             <a:picLocks noChangeAspect="1"/>
           </p:cNvPicPr>
@@ -4199,7 +4241,7 @@
       </p:pic>
       <p:pic>
         <p:nvPicPr>
-          <p:cNvPr id="141" name="pasted-image.pdf" descr="pasted-image.pdf"/>
+          <p:cNvPr id="142" name="pasted-image.pdf" descr="pasted-image.pdf"/>
           <p:cNvPicPr>
             <a:picLocks noChangeAspect="1"/>
           </p:cNvPicPr>
@@ -4254,7 +4296,7 @@
       </p:grpSpPr>
       <p:sp>
         <p:nvSpPr>
-          <p:cNvPr id="143" name="Pricing a knock out call option"/>
+          <p:cNvPr id="144" name="Pricing a knock out call option"/>
           <p:cNvSpPr txBox="1"/>
           <p:nvPr>
             <p:ph type="title"/>
@@ -4282,7 +4324,7 @@
       </p:sp>
       <p:pic>
         <p:nvPicPr>
-          <p:cNvPr id="144" name="barrier_option.pdf" descr="barrier_option.pdf"/>
+          <p:cNvPr id="145" name="barrier_option.pdf" descr="barrier_option.pdf"/>
           <p:cNvPicPr>
             <a:picLocks noChangeAspect="1"/>
           </p:cNvPicPr>
@@ -4311,7 +4353,7 @@
       </p:pic>
       <p:sp>
         <p:nvSpPr>
-          <p:cNvPr id="145" name="r = 0.05; T = 1.0; No dividends; S0 = 100; K = 100;…"/>
+          <p:cNvPr id="146" name="r = 0.05; T = 1.0; No dividends; S0 = 100; K = 100;…"/>
           <p:cNvSpPr txBox="1"/>
           <p:nvPr>
             <p:ph type="body" sz="quarter" idx="1"/>
@@ -4392,7 +4434,7 @@
       </p:grpSpPr>
       <p:sp>
         <p:nvSpPr>
-          <p:cNvPr id="147" name="Central limit theorem"/>
+          <p:cNvPr id="148" name="Central limit theorem"/>
           <p:cNvSpPr txBox="1"/>
           <p:nvPr>
             <p:ph type="title"/>
@@ -4416,7 +4458,7 @@
       </p:sp>
       <p:sp>
         <p:nvSpPr>
-          <p:cNvPr id="148" name="More runs result in more accurate answers…"/>
+          <p:cNvPr id="149" name="More runs result in more accurate answers…"/>
           <p:cNvSpPr txBox="1"/>
           <p:nvPr>
             <p:ph type="body" sz="quarter" idx="1"/>
@@ -4450,7 +4492,7 @@
       </p:sp>
       <p:pic>
         <p:nvPicPr>
-          <p:cNvPr id="149" name="barrier_option.pdf" descr="barrier_option.pdf"/>
+          <p:cNvPr id="150" name="barrier_option.pdf" descr="barrier_option.pdf"/>
           <p:cNvPicPr>
             <a:picLocks noChangeAspect="1"/>
           </p:cNvPicPr>
@@ -4479,7 +4521,7 @@
       </p:pic>
       <p:pic>
         <p:nvPicPr>
-          <p:cNvPr id="150" name="standard_deviation.pdf" descr="standard_deviation.pdf"/>
+          <p:cNvPr id="151" name="standard_deviation.pdf" descr="standard_deviation.pdf"/>
           <p:cNvPicPr>
             <a:picLocks noChangeAspect="1"/>
           </p:cNvPicPr>
@@ -4534,7 +4576,7 @@
       </p:grpSpPr>
       <p:sp>
         <p:nvSpPr>
-          <p:cNvPr id="152" name="Generate samples from multivariate distribution"/>
+          <p:cNvPr id="153" name="Generate samples from multivariate distribution"/>
           <p:cNvSpPr txBox="1"/>
           <p:nvPr>
             <p:ph type="title"/>
@@ -4562,7 +4604,7 @@
       </p:sp>
       <p:sp>
         <p:nvSpPr>
-          <p:cNvPr id="153" name="Use Cholesky decomposition"/>
+          <p:cNvPr id="154" name="Use Cholesky decomposition"/>
           <p:cNvSpPr txBox="1"/>
           <p:nvPr>
             <p:ph type="body" sz="quarter" idx="1"/>
@@ -4590,7 +4632,7 @@
       </p:sp>
       <p:pic>
         <p:nvPicPr>
-          <p:cNvPr id="154" name="pasted-image.pdf" descr="pasted-image.pdf"/>
+          <p:cNvPr id="155" name="pasted-image.pdf" descr="pasted-image.pdf"/>
           <p:cNvPicPr>
             <a:picLocks noChangeAspect="1"/>
           </p:cNvPicPr>
@@ -4619,7 +4661,7 @@
       </p:pic>
       <p:pic>
         <p:nvPicPr>
-          <p:cNvPr id="155" name="pasted-image.pdf" descr="pasted-image.pdf"/>
+          <p:cNvPr id="156" name="pasted-image.pdf" descr="pasted-image.pdf"/>
           <p:cNvPicPr>
             <a:picLocks noChangeAspect="1"/>
           </p:cNvPicPr>
@@ -4648,7 +4690,7 @@
       </p:pic>
       <p:pic>
         <p:nvPicPr>
-          <p:cNvPr id="156" name="multi_simulated_price.pdf" descr="multi_simulated_price.pdf"/>
+          <p:cNvPr id="157" name="multi_simulated_price.pdf" descr="multi_simulated_price.pdf"/>
           <p:cNvPicPr>
             <a:picLocks noChangeAspect="1"/>
           </p:cNvPicPr>
@@ -4677,7 +4719,7 @@
       </p:pic>
       <p:pic>
         <p:nvPicPr>
-          <p:cNvPr id="157" name="pasted-image.pdf" descr="pasted-image.pdf"/>
+          <p:cNvPr id="158" name="pasted-image.pdf" descr="pasted-image.pdf"/>
           <p:cNvPicPr>
             <a:picLocks noChangeAspect="1"/>
           </p:cNvPicPr>
@@ -4732,7 +4774,7 @@
       </p:grpSpPr>
       <p:sp>
         <p:nvSpPr>
-          <p:cNvPr id="159" name="Multi asset barrier sensitivities"/>
+          <p:cNvPr id="160" name="Multi asset barrier sensitivities"/>
           <p:cNvSpPr txBox="1"/>
           <p:nvPr>
             <p:ph type="title"/>
@@ -4760,7 +4802,7 @@
       </p:sp>
       <p:sp>
         <p:nvSpPr>
-          <p:cNvPr id="160" name="Multi asset barrier is the minimum of each barrier option.…"/>
+          <p:cNvPr id="161" name="Multi asset barrier is the minimum of each barrier option.…"/>
           <p:cNvSpPr txBox="1"/>
           <p:nvPr>
             <p:ph type="body" sz="quarter" idx="1"/>
@@ -4804,7 +4846,7 @@
       </p:sp>
       <p:pic>
         <p:nvPicPr>
-          <p:cNvPr id="161" name="sigma_barrier_contour.pdf" descr="sigma_barrier_contour.pdf"/>
+          <p:cNvPr id="162" name="sigma_barrier_contour.pdf" descr="sigma_barrier_contour.pdf"/>
           <p:cNvPicPr>
             <a:picLocks noChangeAspect="1"/>
           </p:cNvPicPr>
@@ -4833,7 +4875,7 @@
       </p:pic>
       <p:pic>
         <p:nvPicPr>
-          <p:cNvPr id="162" name="sigma_barrier.pdf" descr="sigma_barrier.pdf"/>
+          <p:cNvPr id="163" name="sigma_barrier.pdf" descr="sigma_barrier.pdf"/>
           <p:cNvPicPr>
             <a:picLocks noChangeAspect="1"/>
           </p:cNvPicPr>

--- a/presentation.pptx
+++ b/presentation.pptx
@@ -4036,7 +4036,7 @@
       </p:pic>
       <p:sp>
         <p:nvSpPr>
-          <p:cNvPr id="136" name="Generate n sample runs and average terminal option value will limit towards option price.…"/>
+          <p:cNvPr id="136" name="Generate n sample runs. Discounted average terminal instrument value will limit towards the instrument price.…"/>
           <p:cNvSpPr txBox="1"/>
           <p:nvPr/>
         </p:nvSpPr>
@@ -4076,7 +4076,7 @@
               </a:defRPr>
             </a:pPr>
             <a:r>
-              <a:t>Generate n sample runs and average terminal option value will limit towards option price.</a:t>
+              <a:t>Generate n sample runs. Discounted average terminal instrument value will limit towards the instrument price.</a:t>
             </a:r>
           </a:p>
           <a:p>
@@ -4257,8 +4257,8 @@
         </p:blipFill>
         <p:spPr>
           <a:xfrm>
-            <a:off x="3448050" y="2813050"/>
-            <a:ext cx="6108700" cy="1003300"/>
+            <a:off x="3479800" y="2940050"/>
+            <a:ext cx="6045200" cy="1003300"/>
           </a:xfrm>
           <a:prstGeom prst="rect">
             <a:avLst/>
